--- a/store/tiles.pptx
+++ b/store/tiles.pptx
@@ -5,13 +5,14 @@
     <p:sldMasterId id="2147483648" r:id="rId1"/>
   </p:sldMasterIdLst>
   <p:notesMasterIdLst>
-    <p:notesMasterId r:id="rId6"/>
+    <p:notesMasterId r:id="rId7"/>
   </p:notesMasterIdLst>
   <p:sldIdLst>
     <p:sldId id="256" r:id="rId2"/>
     <p:sldId id="260" r:id="rId3"/>
     <p:sldId id="261" r:id="rId4"/>
     <p:sldId id="257" r:id="rId5"/>
+    <p:sldId id="262" r:id="rId6"/>
   </p:sldIdLst>
   <p:sldSz cx="12192000" cy="6858000"/>
   <p:notesSz cx="6858000" cy="9144000"/>
@@ -110,6 +111,11 @@
       </a:defRPr>
     </a:lvl9pPr>
   </p:defaultTextStyle>
+  <p:extLst>
+    <p:ext uri="{EFAFB233-063F-42B5-8137-9DF3F51BA10A}">
+      <p15:sldGuideLst xmlns:p15="http://schemas.microsoft.com/office/powerpoint/2012/main"/>
+    </p:ext>
+  </p:extLst>
 </p:presentation>
 </file>
 
@@ -195,7 +201,7 @@
           <a:p>
             <a:fld id="{CD01F00D-35B5-5547-9B82-5E00847AA31F}" type="datetimeFigureOut">
               <a:rPr lang="en-US" smtClean="0"/>
-              <a:t>1/31/24</a:t>
+              <a:t>2/2/24</a:t>
             </a:fld>
             <a:endParaRPr lang="en-US"/>
           </a:p>
@@ -1106,7 +1112,7 @@
           <a:p>
             <a:fld id="{A8809DAC-06AE-E44D-A5CA-826DD6207ED2}" type="datetimeFigureOut">
               <a:rPr lang="en-US" smtClean="0"/>
-              <a:t>1/31/24</a:t>
+              <a:t>2/2/24</a:t>
             </a:fld>
             <a:endParaRPr lang="en-US"/>
           </a:p>
@@ -1306,7 +1312,7 @@
           <a:p>
             <a:fld id="{A8809DAC-06AE-E44D-A5CA-826DD6207ED2}" type="datetimeFigureOut">
               <a:rPr lang="en-US" smtClean="0"/>
-              <a:t>1/31/24</a:t>
+              <a:t>2/2/24</a:t>
             </a:fld>
             <a:endParaRPr lang="en-US"/>
           </a:p>
@@ -1516,7 +1522,7 @@
           <a:p>
             <a:fld id="{A8809DAC-06AE-E44D-A5CA-826DD6207ED2}" type="datetimeFigureOut">
               <a:rPr lang="en-US" smtClean="0"/>
-              <a:t>1/31/24</a:t>
+              <a:t>2/2/24</a:t>
             </a:fld>
             <a:endParaRPr lang="en-US"/>
           </a:p>
@@ -1716,7 +1722,7 @@
           <a:p>
             <a:fld id="{A8809DAC-06AE-E44D-A5CA-826DD6207ED2}" type="datetimeFigureOut">
               <a:rPr lang="en-US" smtClean="0"/>
-              <a:t>1/31/24</a:t>
+              <a:t>2/2/24</a:t>
             </a:fld>
             <a:endParaRPr lang="en-US"/>
           </a:p>
@@ -1992,7 +1998,7 @@
           <a:p>
             <a:fld id="{A8809DAC-06AE-E44D-A5CA-826DD6207ED2}" type="datetimeFigureOut">
               <a:rPr lang="en-US" smtClean="0"/>
-              <a:t>1/31/24</a:t>
+              <a:t>2/2/24</a:t>
             </a:fld>
             <a:endParaRPr lang="en-US"/>
           </a:p>
@@ -2260,7 +2266,7 @@
           <a:p>
             <a:fld id="{A8809DAC-06AE-E44D-A5CA-826DD6207ED2}" type="datetimeFigureOut">
               <a:rPr lang="en-US" smtClean="0"/>
-              <a:t>1/31/24</a:t>
+              <a:t>2/2/24</a:t>
             </a:fld>
             <a:endParaRPr lang="en-US"/>
           </a:p>
@@ -2675,7 +2681,7 @@
           <a:p>
             <a:fld id="{A8809DAC-06AE-E44D-A5CA-826DD6207ED2}" type="datetimeFigureOut">
               <a:rPr lang="en-US" smtClean="0"/>
-              <a:t>1/31/24</a:t>
+              <a:t>2/2/24</a:t>
             </a:fld>
             <a:endParaRPr lang="en-US"/>
           </a:p>
@@ -2817,7 +2823,7 @@
           <a:p>
             <a:fld id="{A8809DAC-06AE-E44D-A5CA-826DD6207ED2}" type="datetimeFigureOut">
               <a:rPr lang="en-US" smtClean="0"/>
-              <a:t>1/31/24</a:t>
+              <a:t>2/2/24</a:t>
             </a:fld>
             <a:endParaRPr lang="en-US"/>
           </a:p>
@@ -2930,7 +2936,7 @@
           <a:p>
             <a:fld id="{A8809DAC-06AE-E44D-A5CA-826DD6207ED2}" type="datetimeFigureOut">
               <a:rPr lang="en-US" smtClean="0"/>
-              <a:t>1/31/24</a:t>
+              <a:t>2/2/24</a:t>
             </a:fld>
             <a:endParaRPr lang="en-US"/>
           </a:p>
@@ -3243,7 +3249,7 @@
           <a:p>
             <a:fld id="{A8809DAC-06AE-E44D-A5CA-826DD6207ED2}" type="datetimeFigureOut">
               <a:rPr lang="en-US" smtClean="0"/>
-              <a:t>1/31/24</a:t>
+              <a:t>2/2/24</a:t>
             </a:fld>
             <a:endParaRPr lang="en-US"/>
           </a:p>
@@ -3532,7 +3538,7 @@
           <a:p>
             <a:fld id="{A8809DAC-06AE-E44D-A5CA-826DD6207ED2}" type="datetimeFigureOut">
               <a:rPr lang="en-US" smtClean="0"/>
-              <a:t>1/31/24</a:t>
+              <a:t>2/2/24</a:t>
             </a:fld>
             <a:endParaRPr lang="en-US"/>
           </a:p>
@@ -3775,7 +3781,7 @@
           <a:p>
             <a:fld id="{A8809DAC-06AE-E44D-A5CA-826DD6207ED2}" type="datetimeFigureOut">
               <a:rPr lang="en-US" smtClean="0"/>
-              <a:t>1/31/24</a:t>
+              <a:t>2/2/24</a:t>
             </a:fld>
             <a:endParaRPr lang="en-US"/>
           </a:p>
@@ -8036,6 +8042,440 @@
     <p:extLst>
       <p:ext uri="{BB962C8B-B14F-4D97-AF65-F5344CB8AC3E}">
         <p14:creationId xmlns:p14="http://schemas.microsoft.com/office/powerpoint/2010/main" val="572579680"/>
+      </p:ext>
+    </p:extLst>
+  </p:cSld>
+  <p:clrMapOvr>
+    <a:masterClrMapping/>
+  </p:clrMapOvr>
+</p:sld>
+</file>
+
+<file path=ppt/slides/slide5.xml><?xml version="1.0" encoding="utf-8"?>
+<p:sld xmlns:a="http://schemas.openxmlformats.org/drawingml/2006/main" xmlns:r="http://schemas.openxmlformats.org/officeDocument/2006/relationships" xmlns:p="http://schemas.openxmlformats.org/presentationml/2006/main">
+  <p:cSld>
+    <p:bg>
+      <p:bgPr>
+        <a:solidFill>
+          <a:schemeClr val="bg2">
+            <a:alpha val="32613"/>
+          </a:schemeClr>
+        </a:solidFill>
+        <a:effectLst/>
+      </p:bgPr>
+    </p:bg>
+    <p:spTree>
+      <p:nvGrpSpPr>
+        <p:cNvPr id="1" name=""/>
+        <p:cNvGrpSpPr/>
+        <p:nvPr/>
+      </p:nvGrpSpPr>
+      <p:grpSpPr>
+        <a:xfrm>
+          <a:off x="0" y="0"/>
+          <a:ext cx="0" cy="0"/>
+          <a:chOff x="0" y="0"/>
+          <a:chExt cx="0" cy="0"/>
+        </a:xfrm>
+      </p:grpSpPr>
+      <p:pic>
+        <p:nvPicPr>
+          <p:cNvPr id="5" name="Immagine 4" descr="Immagine che contiene testo, software, Icona del computer, Pagina Web&#10;&#10;Descrizione generata automaticamente">
+            <a:extLst>
+              <a:ext uri="{FF2B5EF4-FFF2-40B4-BE49-F238E27FC236}">
+                <a16:creationId xmlns:a16="http://schemas.microsoft.com/office/drawing/2014/main" id="{9D051136-451E-407A-CF4F-78AC31E85FDB}"/>
+              </a:ext>
+            </a:extLst>
+          </p:cNvPr>
+          <p:cNvPicPr>
+            <a:picLocks noChangeAspect="1"/>
+          </p:cNvPicPr>
+          <p:nvPr/>
+        </p:nvPicPr>
+        <p:blipFill rotWithShape="1">
+          <a:blip r:embed="rId2"/>
+          <a:srcRect l="6869" t="7857" r="23765" b="44363"/>
+          <a:stretch/>
+        </p:blipFill>
+        <p:spPr>
+          <a:xfrm>
+            <a:off x="901148" y="1113183"/>
+            <a:ext cx="7553739" cy="3379304"/>
+          </a:xfrm>
+          <a:prstGeom prst="rect">
+            <a:avLst/>
+          </a:prstGeom>
+        </p:spPr>
+      </p:pic>
+      <p:grpSp>
+        <p:nvGrpSpPr>
+          <p:cNvPr id="13" name="Gruppo 12">
+            <a:extLst>
+              <a:ext uri="{FF2B5EF4-FFF2-40B4-BE49-F238E27FC236}">
+                <a16:creationId xmlns:a16="http://schemas.microsoft.com/office/drawing/2014/main" id="{93DAFDE0-DCC2-67CA-F081-57E0EAB2D1C8}"/>
+              </a:ext>
+            </a:extLst>
+          </p:cNvPr>
+          <p:cNvGrpSpPr/>
+          <p:nvPr/>
+        </p:nvGrpSpPr>
+        <p:grpSpPr>
+          <a:xfrm>
+            <a:off x="6524487" y="3096590"/>
+            <a:ext cx="2420730" cy="1647686"/>
+            <a:chOff x="6524487" y="3359426"/>
+            <a:chExt cx="2420730" cy="1647686"/>
+          </a:xfrm>
+        </p:grpSpPr>
+        <p:pic>
+          <p:nvPicPr>
+            <p:cNvPr id="10" name="Immagine 9">
+              <a:extLst>
+                <a:ext uri="{FF2B5EF4-FFF2-40B4-BE49-F238E27FC236}">
+                  <a16:creationId xmlns:a16="http://schemas.microsoft.com/office/drawing/2014/main" id="{0B9877EF-47A7-0E19-B641-1E75D2B07918}"/>
+                </a:ext>
+              </a:extLst>
+            </p:cNvPr>
+            <p:cNvPicPr>
+              <a:picLocks noChangeAspect="1"/>
+            </p:cNvPicPr>
+            <p:nvPr/>
+          </p:nvPicPr>
+          <p:blipFill rotWithShape="1">
+            <a:blip r:embed="rId3">
+              <a:extLst>
+                <a:ext uri="{BEBA8EAE-BF5A-486C-A8C5-ECC9F3942E4B}">
+                  <a14:imgProps xmlns:a14="http://schemas.microsoft.com/office/drawing/2010/main">
+                    <a14:imgLayer r:embed="rId4">
+                      <a14:imgEffect>
+                        <a14:brightnessContrast contrast="-40000"/>
+                      </a14:imgEffect>
+                    </a14:imgLayer>
+                  </a14:imgProps>
+                </a:ext>
+              </a:extLst>
+            </a:blip>
+            <a:srcRect r="37300"/>
+            <a:stretch/>
+          </p:blipFill>
+          <p:spPr>
+            <a:xfrm>
+              <a:off x="6524487" y="4041912"/>
+              <a:ext cx="2420730" cy="965200"/>
+            </a:xfrm>
+            <a:prstGeom prst="rect">
+              <a:avLst/>
+            </a:prstGeom>
+          </p:spPr>
+        </p:pic>
+        <p:sp>
+          <p:nvSpPr>
+            <p:cNvPr id="11" name="Rettangolo 10">
+              <a:extLst>
+                <a:ext uri="{FF2B5EF4-FFF2-40B4-BE49-F238E27FC236}">
+                  <a16:creationId xmlns:a16="http://schemas.microsoft.com/office/drawing/2014/main" id="{5C774A7A-D33A-5639-6A0D-A6B8F5789863}"/>
+                </a:ext>
+              </a:extLst>
+            </p:cNvPr>
+            <p:cNvSpPr/>
+            <p:nvPr/>
+          </p:nvSpPr>
+          <p:spPr>
+            <a:xfrm>
+              <a:off x="6524487" y="3359426"/>
+              <a:ext cx="2420730" cy="848139"/>
+            </a:xfrm>
+            <a:prstGeom prst="rect">
+              <a:avLst/>
+            </a:prstGeom>
+            <a:gradFill flip="none" rotWithShape="1">
+              <a:gsLst>
+                <a:gs pos="0">
+                  <a:schemeClr val="bg1">
+                    <a:alpha val="0"/>
+                  </a:schemeClr>
+                </a:gs>
+                <a:gs pos="47000">
+                  <a:schemeClr val="bg1">
+                    <a:lumMod val="0"/>
+                    <a:lumOff val="100000"/>
+                    <a:alpha val="52149"/>
+                  </a:schemeClr>
+                </a:gs>
+                <a:gs pos="79000">
+                  <a:schemeClr val="bg1"/>
+                </a:gs>
+              </a:gsLst>
+              <a:lin ang="5400000" scaled="1"/>
+              <a:tileRect/>
+            </a:gradFill>
+            <a:ln>
+              <a:noFill/>
+            </a:ln>
+          </p:spPr>
+          <p:style>
+            <a:lnRef idx="2">
+              <a:schemeClr val="accent1">
+                <a:shade val="15000"/>
+              </a:schemeClr>
+            </a:lnRef>
+            <a:fillRef idx="1">
+              <a:schemeClr val="accent1"/>
+            </a:fillRef>
+            <a:effectRef idx="0">
+              <a:schemeClr val="accent1"/>
+            </a:effectRef>
+            <a:fontRef idx="minor">
+              <a:schemeClr val="lt1"/>
+            </a:fontRef>
+          </p:style>
+          <p:txBody>
+            <a:bodyPr rtlCol="0" anchor="ctr"/>
+            <a:lstStyle/>
+            <a:p>
+              <a:pPr algn="ctr"/>
+              <a:endParaRPr lang="en-US"/>
+            </a:p>
+          </p:txBody>
+        </p:sp>
+      </p:grpSp>
+      <p:sp>
+        <p:nvSpPr>
+          <p:cNvPr id="12" name="Rettangolo 11">
+            <a:extLst>
+              <a:ext uri="{FF2B5EF4-FFF2-40B4-BE49-F238E27FC236}">
+                <a16:creationId xmlns:a16="http://schemas.microsoft.com/office/drawing/2014/main" id="{134EAFC7-1076-D7ED-911A-203AC5FB8B3B}"/>
+              </a:ext>
+            </a:extLst>
+          </p:cNvPr>
+          <p:cNvSpPr/>
+          <p:nvPr/>
+        </p:nvSpPr>
+        <p:spPr>
+          <a:xfrm rot="10800000">
+            <a:off x="6524487" y="4379847"/>
+            <a:ext cx="2420730" cy="848139"/>
+          </a:xfrm>
+          <a:prstGeom prst="rect">
+            <a:avLst/>
+          </a:prstGeom>
+          <a:gradFill flip="none" rotWithShape="1">
+            <a:gsLst>
+              <a:gs pos="0">
+                <a:schemeClr val="bg1">
+                  <a:alpha val="0"/>
+                </a:schemeClr>
+              </a:gs>
+              <a:gs pos="47000">
+                <a:schemeClr val="bg1">
+                  <a:lumMod val="0"/>
+                  <a:lumOff val="100000"/>
+                  <a:alpha val="52149"/>
+                </a:schemeClr>
+              </a:gs>
+              <a:gs pos="79000">
+                <a:schemeClr val="bg1"/>
+              </a:gs>
+            </a:gsLst>
+            <a:lin ang="5400000" scaled="1"/>
+            <a:tileRect/>
+          </a:gradFill>
+          <a:ln>
+            <a:noFill/>
+          </a:ln>
+        </p:spPr>
+        <p:style>
+          <a:lnRef idx="2">
+            <a:schemeClr val="accent1">
+              <a:shade val="15000"/>
+            </a:schemeClr>
+          </a:lnRef>
+          <a:fillRef idx="1">
+            <a:schemeClr val="accent1"/>
+          </a:fillRef>
+          <a:effectRef idx="0">
+            <a:schemeClr val="accent1"/>
+          </a:effectRef>
+          <a:fontRef idx="minor">
+            <a:schemeClr val="lt1"/>
+          </a:fontRef>
+        </p:style>
+        <p:txBody>
+          <a:bodyPr rtlCol="0" anchor="ctr"/>
+          <a:lstStyle/>
+          <a:p>
+            <a:pPr algn="ctr"/>
+            <a:endParaRPr lang="en-US"/>
+          </a:p>
+        </p:txBody>
+      </p:sp>
+      <p:pic>
+        <p:nvPicPr>
+          <p:cNvPr id="14" name="Immagine 13">
+            <a:extLst>
+              <a:ext uri="{FF2B5EF4-FFF2-40B4-BE49-F238E27FC236}">
+                <a16:creationId xmlns:a16="http://schemas.microsoft.com/office/drawing/2014/main" id="{4618E67F-B9C4-AFAF-672D-7EBEA79F001E}"/>
+              </a:ext>
+            </a:extLst>
+          </p:cNvPr>
+          <p:cNvPicPr>
+            <a:picLocks noChangeAspect="1"/>
+          </p:cNvPicPr>
+          <p:nvPr/>
+        </p:nvPicPr>
+        <p:blipFill>
+          <a:blip r:embed="rId5"/>
+          <a:stretch>
+            <a:fillRect/>
+          </a:stretch>
+        </p:blipFill>
+        <p:spPr>
+          <a:xfrm>
+            <a:off x="2031892" y="1113183"/>
+            <a:ext cx="6913325" cy="848138"/>
+          </a:xfrm>
+          <a:prstGeom prst="rect">
+            <a:avLst/>
+          </a:prstGeom>
+        </p:spPr>
+      </p:pic>
+      <p:sp>
+        <p:nvSpPr>
+          <p:cNvPr id="15" name="CasellaDiTesto 14">
+            <a:extLst>
+              <a:ext uri="{FF2B5EF4-FFF2-40B4-BE49-F238E27FC236}">
+                <a16:creationId xmlns:a16="http://schemas.microsoft.com/office/drawing/2014/main" id="{3418BEDD-2D82-761C-B0DC-3E99FE1C5A6B}"/>
+              </a:ext>
+            </a:extLst>
+          </p:cNvPr>
+          <p:cNvSpPr txBox="1"/>
+          <p:nvPr/>
+        </p:nvSpPr>
+        <p:spPr>
+          <a:xfrm>
+            <a:off x="3526553" y="4625006"/>
+            <a:ext cx="2834815" cy="646331"/>
+          </a:xfrm>
+          <a:prstGeom prst="rect">
+            <a:avLst/>
+          </a:prstGeom>
+          <a:noFill/>
+        </p:spPr>
+        <p:txBody>
+          <a:bodyPr wrap="none" rtlCol="0">
+            <a:spAutoFit/>
+          </a:bodyPr>
+          <a:lstStyle/>
+          <a:p>
+            <a:r>
+              <a:rPr lang="en-US" b="1" dirty="0">
+                <a:solidFill>
+                  <a:schemeClr val="accent1">
+                    <a:lumMod val="75000"/>
+                  </a:schemeClr>
+                </a:solidFill>
+                <a:latin typeface="Aptos Narrow" panose="020B0004020202020204" pitchFamily="34" charset="0"/>
+                <a:ea typeface="Apple Symbols" panose="02000000000000000000" pitchFamily="2" charset="-79"/>
+                <a:cs typeface="Alasassy Caps" panose="020F0502020204030204" pitchFamily="34" charset="0"/>
+              </a:rPr>
+              <a:t>Right-click and search the</a:t>
+            </a:r>
+          </a:p>
+          <a:p>
+            <a:r>
+              <a:rPr lang="en-US" b="1" dirty="0">
+                <a:solidFill>
+                  <a:schemeClr val="accent1">
+                    <a:lumMod val="75000"/>
+                  </a:schemeClr>
+                </a:solidFill>
+                <a:latin typeface="Aptos Narrow" panose="020B0004020202020204" pitchFamily="34" charset="0"/>
+                <a:ea typeface="Apple Symbols" panose="02000000000000000000" pitchFamily="2" charset="-79"/>
+                <a:cs typeface="Alasassy Caps" panose="020F0502020204030204" pitchFamily="34" charset="0"/>
+              </a:rPr>
+              <a:t>highlighted text on dblp.org</a:t>
+            </a:r>
+          </a:p>
+        </p:txBody>
+      </p:sp>
+      <p:sp>
+        <p:nvSpPr>
+          <p:cNvPr id="16" name="CasellaDiTesto 15">
+            <a:extLst>
+              <a:ext uri="{FF2B5EF4-FFF2-40B4-BE49-F238E27FC236}">
+                <a16:creationId xmlns:a16="http://schemas.microsoft.com/office/drawing/2014/main" id="{E871FF9F-FEB4-D37E-30E3-222A7F388ECC}"/>
+              </a:ext>
+            </a:extLst>
+          </p:cNvPr>
+          <p:cNvSpPr txBox="1"/>
+          <p:nvPr/>
+        </p:nvSpPr>
+        <p:spPr>
+          <a:xfrm>
+            <a:off x="4246430" y="447119"/>
+            <a:ext cx="4698787" cy="923330"/>
+          </a:xfrm>
+          <a:prstGeom prst="rect">
+            <a:avLst/>
+          </a:prstGeom>
+          <a:noFill/>
+        </p:spPr>
+        <p:txBody>
+          <a:bodyPr wrap="none" rtlCol="0">
+            <a:spAutoFit/>
+          </a:bodyPr>
+          <a:lstStyle/>
+          <a:p>
+            <a:pPr algn="r"/>
+            <a:r>
+              <a:rPr lang="en-US" b="1" dirty="0">
+                <a:solidFill>
+                  <a:schemeClr val="accent4">
+                    <a:lumMod val="75000"/>
+                  </a:schemeClr>
+                </a:solidFill>
+                <a:latin typeface="Aptos Narrow" panose="020B0004020202020204" pitchFamily="34" charset="0"/>
+                <a:ea typeface="Apple Symbols" panose="02000000000000000000" pitchFamily="2" charset="-79"/>
+                <a:cs typeface="Alasassy Caps" panose="020F0502020204030204" pitchFamily="34" charset="0"/>
+              </a:rPr>
+              <a:t>Click the extension button and search the </a:t>
+            </a:r>
+          </a:p>
+          <a:p>
+            <a:pPr algn="r"/>
+            <a:r>
+              <a:rPr lang="en-US" b="1" dirty="0">
+                <a:solidFill>
+                  <a:schemeClr val="accent4">
+                    <a:lumMod val="75000"/>
+                  </a:schemeClr>
+                </a:solidFill>
+                <a:latin typeface="Aptos Narrow" panose="020B0004020202020204" pitchFamily="34" charset="0"/>
+                <a:ea typeface="Apple Symbols" panose="02000000000000000000" pitchFamily="2" charset="-79"/>
+                <a:cs typeface="Alasassy Caps" panose="020F0502020204030204" pitchFamily="34" charset="0"/>
+              </a:rPr>
+              <a:t>highlighted text without leaving the current page</a:t>
+            </a:r>
+          </a:p>
+          <a:p>
+            <a:pPr algn="r"/>
+            <a:endParaRPr lang="en-US" b="1" dirty="0">
+              <a:solidFill>
+                <a:schemeClr val="accent4">
+                  <a:lumMod val="75000"/>
+                </a:schemeClr>
+              </a:solidFill>
+              <a:latin typeface="Aptos Narrow" panose="020B0004020202020204" pitchFamily="34" charset="0"/>
+              <a:ea typeface="Apple Symbols" panose="02000000000000000000" pitchFamily="2" charset="-79"/>
+              <a:cs typeface="Alasassy Caps" panose="020F0502020204030204" pitchFamily="34" charset="0"/>
+            </a:endParaRPr>
+          </a:p>
+        </p:txBody>
+      </p:sp>
+    </p:spTree>
+    <p:extLst>
+      <p:ext uri="{BB962C8B-B14F-4D97-AF65-F5344CB8AC3E}">
+        <p14:creationId xmlns:p14="http://schemas.microsoft.com/office/powerpoint/2010/main" val="2757441795"/>
       </p:ext>
     </p:extLst>
   </p:cSld>
